--- a/1/jQuery选择器.pptx
+++ b/1/jQuery选择器.pptx
@@ -8,6 +8,11 @@
     <p:sldId id="256" r:id="rId2"/>
     <p:sldId id="257" r:id="rId3"/>
     <p:sldId id="258" r:id="rId4"/>
+    <p:sldId id="262" r:id="rId5"/>
+    <p:sldId id="259" r:id="rId6"/>
+    <p:sldId id="260" r:id="rId7"/>
+    <p:sldId id="263" r:id="rId8"/>
+    <p:sldId id="264" r:id="rId9"/>
   </p:sldIdLst>
   <p:sldSz cx="12192000" cy="6858000"/>
   <p:notesSz cx="6858000" cy="9144000"/>
@@ -106,6 +111,11 @@
       </a:defRPr>
     </a:lvl9pPr>
   </p:defaultTextStyle>
+  <p:extLst>
+    <p:ext uri="{EFAFB233-063F-42B5-8137-9DF3F51BA10A}">
+      <p15:sldGuideLst xmlns:p15="http://schemas.microsoft.com/office/powerpoint/2012/main"/>
+    </p:ext>
+  </p:extLst>
 </p:presentation>
 </file>
 
@@ -240,7 +250,7 @@
           <a:p>
             <a:fld id="{37217C2B-BD16-4745-BB5F-01E2B63D19A5}" type="datetimeFigureOut">
               <a:rPr lang="zh-CN" altLang="en-US" smtClean="0"/>
-              <a:t>2017-09-20</a:t>
+              <a:t>2017-09-21</a:t>
             </a:fld>
             <a:endParaRPr lang="zh-CN" altLang="en-US" dirty="0"/>
           </a:p>
@@ -410,7 +420,7 @@
           <a:p>
             <a:fld id="{37217C2B-BD16-4745-BB5F-01E2B63D19A5}" type="datetimeFigureOut">
               <a:rPr lang="zh-CN" altLang="en-US" smtClean="0"/>
-              <a:t>2017-09-20</a:t>
+              <a:t>2017-09-21</a:t>
             </a:fld>
             <a:endParaRPr lang="zh-CN" altLang="en-US"/>
           </a:p>
@@ -590,7 +600,7 @@
           <a:p>
             <a:fld id="{37217C2B-BD16-4745-BB5F-01E2B63D19A5}" type="datetimeFigureOut">
               <a:rPr lang="zh-CN" altLang="en-US" smtClean="0"/>
-              <a:t>2017-09-20</a:t>
+              <a:t>2017-09-21</a:t>
             </a:fld>
             <a:endParaRPr lang="zh-CN" altLang="en-US"/>
           </a:p>
@@ -760,7 +770,7 @@
           <a:p>
             <a:fld id="{37217C2B-BD16-4745-BB5F-01E2B63D19A5}" type="datetimeFigureOut">
               <a:rPr lang="zh-CN" altLang="en-US" smtClean="0"/>
-              <a:t>2017-09-20</a:t>
+              <a:t>2017-09-21</a:t>
             </a:fld>
             <a:endParaRPr lang="zh-CN" altLang="en-US"/>
           </a:p>
@@ -1006,7 +1016,7 @@
           <a:p>
             <a:fld id="{37217C2B-BD16-4745-BB5F-01E2B63D19A5}" type="datetimeFigureOut">
               <a:rPr lang="zh-CN" altLang="en-US" smtClean="0"/>
-              <a:t>2017-09-20</a:t>
+              <a:t>2017-09-21</a:t>
             </a:fld>
             <a:endParaRPr lang="zh-CN" altLang="en-US"/>
           </a:p>
@@ -1238,7 +1248,7 @@
           <a:p>
             <a:fld id="{37217C2B-BD16-4745-BB5F-01E2B63D19A5}" type="datetimeFigureOut">
               <a:rPr lang="zh-CN" altLang="en-US" smtClean="0"/>
-              <a:t>2017-09-20</a:t>
+              <a:t>2017-09-21</a:t>
             </a:fld>
             <a:endParaRPr lang="zh-CN" altLang="en-US"/>
           </a:p>
@@ -1605,7 +1615,7 @@
           <a:p>
             <a:fld id="{37217C2B-BD16-4745-BB5F-01E2B63D19A5}" type="datetimeFigureOut">
               <a:rPr lang="zh-CN" altLang="en-US" smtClean="0"/>
-              <a:t>2017-09-20</a:t>
+              <a:t>2017-09-21</a:t>
             </a:fld>
             <a:endParaRPr lang="zh-CN" altLang="en-US"/>
           </a:p>
@@ -1723,7 +1733,7 @@
           <a:p>
             <a:fld id="{37217C2B-BD16-4745-BB5F-01E2B63D19A5}" type="datetimeFigureOut">
               <a:rPr lang="zh-CN" altLang="en-US" smtClean="0"/>
-              <a:t>2017-09-20</a:t>
+              <a:t>2017-09-21</a:t>
             </a:fld>
             <a:endParaRPr lang="zh-CN" altLang="en-US"/>
           </a:p>
@@ -1818,7 +1828,7 @@
           <a:p>
             <a:fld id="{37217C2B-BD16-4745-BB5F-01E2B63D19A5}" type="datetimeFigureOut">
               <a:rPr lang="zh-CN" altLang="en-US" smtClean="0"/>
-              <a:t>2017-09-20</a:t>
+              <a:t>2017-09-21</a:t>
             </a:fld>
             <a:endParaRPr lang="zh-CN" altLang="en-US"/>
           </a:p>
@@ -2095,7 +2105,7 @@
           <a:p>
             <a:fld id="{37217C2B-BD16-4745-BB5F-01E2B63D19A5}" type="datetimeFigureOut">
               <a:rPr lang="zh-CN" altLang="en-US" smtClean="0"/>
-              <a:t>2017-09-20</a:t>
+              <a:t>2017-09-21</a:t>
             </a:fld>
             <a:endParaRPr lang="zh-CN" altLang="en-US"/>
           </a:p>
@@ -2348,7 +2358,7 @@
           <a:p>
             <a:fld id="{37217C2B-BD16-4745-BB5F-01E2B63D19A5}" type="datetimeFigureOut">
               <a:rPr lang="zh-CN" altLang="en-US" smtClean="0"/>
-              <a:t>2017-09-20</a:t>
+              <a:t>2017-09-21</a:t>
             </a:fld>
             <a:endParaRPr lang="zh-CN" altLang="en-US"/>
           </a:p>
@@ -2583,7 +2593,7 @@
           <a:p>
             <a:fld id="{37217C2B-BD16-4745-BB5F-01E2B63D19A5}" type="datetimeFigureOut">
               <a:rPr lang="zh-CN" altLang="en-US" smtClean="0"/>
-              <a:t>2017-09-20</a:t>
+              <a:t>2017-09-21</a:t>
             </a:fld>
             <a:endParaRPr lang="zh-CN" altLang="en-US"/>
           </a:p>
@@ -3084,6 +3094,13 @@
   <p:clrMapOvr>
     <a:masterClrMapping/>
   </p:clrMapOvr>
+  <p:timing>
+    <p:tnLst>
+      <p:par>
+        <p:cTn id="1" dur="indefinite" restart="never" nodeType="tmRoot"/>
+      </p:par>
+    </p:tnLst>
+  </p:timing>
 </p:sld>
 </file>
 
@@ -3197,172 +3214,103 @@
               <a:rPr lang="zh-CN" altLang="en-US" dirty="0" smtClean="0"/>
               <a:t>）</a:t>
             </a:r>
+            <a:endParaRPr lang="en-US" altLang="zh-CN" dirty="0" smtClean="0"/>
+          </a:p>
+          <a:p>
             <a:endParaRPr lang="zh-CN" altLang="en-US" dirty="0"/>
           </a:p>
         </p:txBody>
       </p:sp>
-      <mc:AlternateContent xmlns:mc="http://schemas.openxmlformats.org/markup-compatibility/2006">
-        <mc:Choice xmlns:we="http://schemas.microsoft.com/office/webextensions/webextension/2010/11" xmlns:pca="http://schemas.microsoft.com/office/powerpoint/2013/contentapp" Requires="we pca">
-          <p:graphicFrame>
-            <p:nvGraphicFramePr>
-              <p:cNvPr id="4" name="加载项 3" title="Code Presenter Pro"/>
-              <p:cNvGraphicFramePr>
-                <a:graphicFrameLocks noGrp="1"/>
-              </p:cNvGraphicFramePr>
-              <p:nvPr>
-                <p:extLst>
-                  <p:ext uri="{D42A27DB-BD31-4B8C-83A1-F6EECF244321}">
-                    <p14:modId xmlns:p14="http://schemas.microsoft.com/office/powerpoint/2010/main" val="3981587554"/>
-                  </p:ext>
-                </p:extLst>
-              </p:nvPr>
-            </p:nvGraphicFramePr>
-            <p:xfrm>
-              <a:off x="1111828" y="2552701"/>
-              <a:ext cx="5316681" cy="509154"/>
-            </p:xfrm>
-            <a:graphic>
-              <a:graphicData uri="http://schemas.microsoft.com/office/webextensions/webextension/2010/11">
-                <we:webextensionref xmlns:we="http://schemas.microsoft.com/office/webextensions/webextension/2010/11" xmlns:r="http://schemas.openxmlformats.org/officeDocument/2006/relationships" r:id="rId2"/>
-              </a:graphicData>
-            </a:graphic>
-          </p:graphicFrame>
-        </mc:Choice>
-        <mc:Fallback>
-          <p:pic>
-            <p:nvPicPr>
-              <p:cNvPr id="4" name="加载项 3" title="Code Presenter Pro"/>
-              <p:cNvPicPr>
-                <a:picLocks noGrp="1" noRot="1" noChangeAspect="1" noMove="1" noResize="1" noEditPoints="1" noAdjustHandles="1" noChangeArrowheads="1" noChangeShapeType="1"/>
-              </p:cNvPicPr>
-              <p:nvPr/>
-            </p:nvPicPr>
-            <p:blipFill>
-              <a:blip r:embed="rId3"/>
-              <a:stretch>
-                <a:fillRect/>
-              </a:stretch>
-            </p:blipFill>
-            <p:spPr>
-              <a:xfrm>
-                <a:off x="1111828" y="2552701"/>
-                <a:ext cx="5316681" cy="509154"/>
-              </a:xfrm>
-              <a:prstGeom prst="rect">
-                <a:avLst/>
-              </a:prstGeom>
-            </p:spPr>
-          </p:pic>
-        </mc:Fallback>
-      </mc:AlternateContent>
-      <mc:AlternateContent xmlns:mc="http://schemas.openxmlformats.org/markup-compatibility/2006">
-        <mc:Choice xmlns:we="http://schemas.microsoft.com/office/webextensions/webextension/2010/11" xmlns:pca="http://schemas.microsoft.com/office/powerpoint/2013/contentapp" Requires="we pca">
-          <p:graphicFrame>
-            <p:nvGraphicFramePr>
-              <p:cNvPr id="5" name="加载项 4" title="Code Presenter Pro"/>
-              <p:cNvGraphicFramePr>
-                <a:graphicFrameLocks noGrp="1"/>
-              </p:cNvGraphicFramePr>
-              <p:nvPr>
-                <p:extLst>
-                  <p:ext uri="{D42A27DB-BD31-4B8C-83A1-F6EECF244321}">
-                    <p14:modId xmlns:p14="http://schemas.microsoft.com/office/powerpoint/2010/main" val="117204488"/>
-                  </p:ext>
-                </p:extLst>
-              </p:nvPr>
-            </p:nvGraphicFramePr>
-            <p:xfrm>
-              <a:off x="1111827" y="4048409"/>
-              <a:ext cx="5316682" cy="509154"/>
-            </p:xfrm>
-            <a:graphic>
-              <a:graphicData uri="http://schemas.microsoft.com/office/webextensions/webextension/2010/11">
-                <we:webextensionref xmlns:we="http://schemas.microsoft.com/office/webextensions/webextension/2010/11" xmlns:r="http://schemas.openxmlformats.org/officeDocument/2006/relationships" r:id="rId4"/>
-              </a:graphicData>
-            </a:graphic>
-          </p:graphicFrame>
-        </mc:Choice>
-        <mc:Fallback>
-          <p:pic>
-            <p:nvPicPr>
-              <p:cNvPr id="5" name="加载项 4" title="Code Presenter Pro"/>
-              <p:cNvPicPr>
-                <a:picLocks noGrp="1" noRot="1" noChangeAspect="1" noMove="1" noResize="1" noEditPoints="1" noAdjustHandles="1" noChangeArrowheads="1" noChangeShapeType="1"/>
-              </p:cNvPicPr>
-              <p:nvPr/>
-            </p:nvPicPr>
-            <p:blipFill>
-              <a:blip r:embed="rId5"/>
-              <a:stretch>
-                <a:fillRect/>
-              </a:stretch>
-            </p:blipFill>
-            <p:spPr>
-              <a:xfrm>
-                <a:off x="1111827" y="4048409"/>
-                <a:ext cx="5316682" cy="509154"/>
-              </a:xfrm>
-              <a:prstGeom prst="rect">
-                <a:avLst/>
-              </a:prstGeom>
-            </p:spPr>
-          </p:pic>
-        </mc:Fallback>
-      </mc:AlternateContent>
-      <mc:AlternateContent xmlns:mc="http://schemas.openxmlformats.org/markup-compatibility/2006">
-        <mc:Choice xmlns:we="http://schemas.microsoft.com/office/webextensions/webextension/2010/11" xmlns:pca="http://schemas.microsoft.com/office/powerpoint/2013/contentapp" Requires="we pca">
-          <p:graphicFrame>
-            <p:nvGraphicFramePr>
-              <p:cNvPr id="6" name="加载项 5" title="Code Presenter Pro"/>
-              <p:cNvGraphicFramePr>
-                <a:graphicFrameLocks noGrp="1"/>
-              </p:cNvGraphicFramePr>
-              <p:nvPr>
-                <p:extLst>
-                  <p:ext uri="{D42A27DB-BD31-4B8C-83A1-F6EECF244321}">
-                    <p14:modId xmlns:p14="http://schemas.microsoft.com/office/powerpoint/2010/main" val="729331370"/>
-                  </p:ext>
-                </p:extLst>
-              </p:nvPr>
-            </p:nvGraphicFramePr>
-            <p:xfrm>
-              <a:off x="1111827" y="5544117"/>
-              <a:ext cx="6231082" cy="304800"/>
-            </p:xfrm>
-            <a:graphic>
-              <a:graphicData uri="http://schemas.microsoft.com/office/webextensions/webextension/2010/11">
-                <we:webextensionref xmlns:we="http://schemas.microsoft.com/office/webextensions/webextension/2010/11" xmlns:r="http://schemas.openxmlformats.org/officeDocument/2006/relationships" r:id="rId6"/>
-              </a:graphicData>
-            </a:graphic>
-          </p:graphicFrame>
-        </mc:Choice>
-        <mc:Fallback>
-          <p:pic>
-            <p:nvPicPr>
-              <p:cNvPr id="6" name="加载项 5" title="Code Presenter Pro"/>
-              <p:cNvPicPr>
-                <a:picLocks noGrp="1" noRot="1" noChangeAspect="1" noMove="1" noResize="1" noEditPoints="1" noAdjustHandles="1" noChangeArrowheads="1" noChangeShapeType="1"/>
-              </p:cNvPicPr>
-              <p:nvPr/>
-            </p:nvPicPr>
-            <p:blipFill>
-              <a:blip r:embed="rId7"/>
-              <a:stretch>
-                <a:fillRect/>
-              </a:stretch>
-            </p:blipFill>
-            <p:spPr>
-              <a:xfrm>
-                <a:off x="1111827" y="5544117"/>
-                <a:ext cx="6231082" cy="304800"/>
-              </a:xfrm>
-              <a:prstGeom prst="rect">
-                <a:avLst/>
-              </a:prstGeom>
-            </p:spPr>
-          </p:pic>
-        </mc:Fallback>
-      </mc:AlternateContent>
+      <p:pic>
+        <p:nvPicPr>
+          <p:cNvPr id="7" name="图片 6" descr="屏幕剪辑"/>
+          <p:cNvPicPr>
+            <a:picLocks noChangeAspect="1"/>
+          </p:cNvPicPr>
+          <p:nvPr/>
+        </p:nvPicPr>
+        <p:blipFill>
+          <a:blip r:embed="rId2">
+            <a:extLst>
+              <a:ext uri="{28A0092B-C50C-407E-A947-70E740481C1C}">
+                <a14:useLocalDpi xmlns:a14="http://schemas.microsoft.com/office/drawing/2010/main" val="0"/>
+              </a:ext>
+            </a:extLst>
+          </a:blip>
+          <a:stretch>
+            <a:fillRect/>
+          </a:stretch>
+        </p:blipFill>
+        <p:spPr>
+          <a:xfrm>
+            <a:off x="1169637" y="2444436"/>
+            <a:ext cx="5828000" cy="714401"/>
+          </a:xfrm>
+          <a:prstGeom prst="rect">
+            <a:avLst/>
+          </a:prstGeom>
+        </p:spPr>
+      </p:pic>
+      <p:pic>
+        <p:nvPicPr>
+          <p:cNvPr id="8" name="图片 7" descr="屏幕剪辑"/>
+          <p:cNvPicPr>
+            <a:picLocks noChangeAspect="1"/>
+          </p:cNvPicPr>
+          <p:nvPr/>
+        </p:nvPicPr>
+        <p:blipFill>
+          <a:blip r:embed="rId3">
+            <a:extLst>
+              <a:ext uri="{28A0092B-C50C-407E-A947-70E740481C1C}">
+                <a14:useLocalDpi xmlns:a14="http://schemas.microsoft.com/office/drawing/2010/main" val="0"/>
+              </a:ext>
+            </a:extLst>
+          </a:blip>
+          <a:stretch>
+            <a:fillRect/>
+          </a:stretch>
+        </p:blipFill>
+        <p:spPr>
+          <a:xfrm>
+            <a:off x="1169637" y="3951516"/>
+            <a:ext cx="5887129" cy="731320"/>
+          </a:xfrm>
+          <a:prstGeom prst="rect">
+            <a:avLst/>
+          </a:prstGeom>
+        </p:spPr>
+      </p:pic>
+      <p:pic>
+        <p:nvPicPr>
+          <p:cNvPr id="9" name="图片 8" descr="屏幕剪辑"/>
+          <p:cNvPicPr>
+            <a:picLocks noChangeAspect="1"/>
+          </p:cNvPicPr>
+          <p:nvPr/>
+        </p:nvPicPr>
+        <p:blipFill>
+          <a:blip r:embed="rId4">
+            <a:extLst>
+              <a:ext uri="{28A0092B-C50C-407E-A947-70E740481C1C}">
+                <a14:useLocalDpi xmlns:a14="http://schemas.microsoft.com/office/drawing/2010/main" val="0"/>
+              </a:ext>
+            </a:extLst>
+          </a:blip>
+          <a:stretch>
+            <a:fillRect/>
+          </a:stretch>
+        </p:blipFill>
+        <p:spPr>
+          <a:xfrm>
+            <a:off x="1169637" y="5489262"/>
+            <a:ext cx="5078713" cy="482047"/>
+          </a:xfrm>
+          <a:prstGeom prst="rect">
+            <a:avLst/>
+          </a:prstGeom>
+        </p:spPr>
+      </p:pic>
     </p:spTree>
     <p:extLst>
       <p:ext uri="{BB962C8B-B14F-4D97-AF65-F5344CB8AC3E}">
@@ -3373,6 +3321,13 @@
   <p:clrMapOvr>
     <a:masterClrMapping/>
   </p:clrMapOvr>
+  <p:timing>
+    <p:tnLst>
+      <p:par>
+        <p:cTn id="1" dur="indefinite" restart="never" nodeType="tmRoot"/>
+      </p:par>
+    </p:tnLst>
+  </p:timing>
 </p:sld>
 </file>
 
@@ -3478,174 +3433,928 @@
             <a:endParaRPr lang="en-US" altLang="zh-CN" dirty="0" smtClean="0"/>
           </a:p>
           <a:p>
-            <a:r>
-              <a:rPr lang="en-US" altLang="zh-CN" dirty="0" smtClean="0"/>
-              <a:t>id</a:t>
-            </a:r>
-            <a:r>
-              <a:rPr lang="zh-CN" altLang="en-US" dirty="0" smtClean="0"/>
-              <a:t>（</a:t>
-            </a:r>
-            <a:r>
-              <a:rPr lang="en-US" altLang="zh-CN" dirty="0" smtClean="0"/>
-              <a:t>#</a:t>
-            </a:r>
-            <a:r>
-              <a:rPr lang="zh-CN" altLang="en-US" dirty="0" smtClean="0"/>
-              <a:t>）</a:t>
-            </a:r>
-            <a:endParaRPr lang="zh-CN" altLang="en-US" dirty="0"/>
-          </a:p>
-        </p:txBody>
-      </p:sp>
-      <mc:AlternateContent xmlns:mc="http://schemas.openxmlformats.org/markup-compatibility/2006">
-        <mc:Choice xmlns:we="http://schemas.microsoft.com/office/webextensions/webextension/2010/11" xmlns:pca="http://schemas.microsoft.com/office/powerpoint/2013/contentapp" Requires="we pca">
-          <p:graphicFrame>
-            <p:nvGraphicFramePr>
-              <p:cNvPr id="4" name="加载项 3" title="Code Presenter Pro"/>
-              <p:cNvGraphicFramePr>
-                <a:graphicFrameLocks noGrp="1"/>
-              </p:cNvGraphicFramePr>
-              <p:nvPr/>
-            </p:nvGraphicFramePr>
-            <p:xfrm>
-              <a:off x="1111828" y="2552701"/>
-              <a:ext cx="5316681" cy="509154"/>
-            </p:xfrm>
-            <a:graphic>
-              <a:graphicData uri="http://schemas.microsoft.com/office/webextensions/webextension/2010/11">
-                <we:webextensionref xmlns:we="http://schemas.microsoft.com/office/webextensions/webextension/2010/11" xmlns:r="http://schemas.openxmlformats.org/officeDocument/2006/relationships" r:id="rId2"/>
-              </a:graphicData>
-            </a:graphic>
-          </p:graphicFrame>
-        </mc:Choice>
-        <mc:Fallback>
-          <p:pic>
-            <p:nvPicPr>
-              <p:cNvPr id="4" name="加载项 3" title="Code Presenter Pro"/>
-              <p:cNvPicPr>
-                <a:picLocks noGrp="1" noRot="1" noChangeAspect="1" noMove="1" noResize="1" noEditPoints="1" noAdjustHandles="1" noChangeArrowheads="1" noChangeShapeType="1"/>
-              </p:cNvPicPr>
-              <p:nvPr/>
-            </p:nvPicPr>
-            <p:blipFill>
-              <a:blip r:embed="rId3"/>
-              <a:stretch>
-                <a:fillRect/>
-              </a:stretch>
-            </p:blipFill>
-            <p:spPr>
-              <a:xfrm>
-                <a:off x="1111828" y="2552701"/>
-                <a:ext cx="5316681" cy="509154"/>
-              </a:xfrm>
-              <a:prstGeom prst="rect">
-                <a:avLst/>
-              </a:prstGeom>
-            </p:spPr>
-          </p:pic>
-        </mc:Fallback>
-      </mc:AlternateContent>
-      <mc:AlternateContent xmlns:mc="http://schemas.openxmlformats.org/markup-compatibility/2006">
-        <mc:Choice xmlns:we="http://schemas.microsoft.com/office/webextensions/webextension/2010/11" xmlns:pca="http://schemas.microsoft.com/office/powerpoint/2013/contentapp" Requires="we pca">
-          <p:graphicFrame>
-            <p:nvGraphicFramePr>
-              <p:cNvPr id="5" name="加载项 4" title="Code Presenter Pro"/>
-              <p:cNvGraphicFramePr>
-                <a:graphicFrameLocks noGrp="1"/>
-              </p:cNvGraphicFramePr>
-              <p:nvPr/>
-            </p:nvGraphicFramePr>
-            <p:xfrm>
-              <a:off x="1111827" y="4048409"/>
-              <a:ext cx="5316682" cy="509154"/>
-            </p:xfrm>
-            <a:graphic>
-              <a:graphicData uri="http://schemas.microsoft.com/office/webextensions/webextension/2010/11">
-                <we:webextensionref xmlns:we="http://schemas.microsoft.com/office/webextensions/webextension/2010/11" xmlns:r="http://schemas.openxmlformats.org/officeDocument/2006/relationships" r:id="rId4"/>
-              </a:graphicData>
-            </a:graphic>
-          </p:graphicFrame>
-        </mc:Choice>
-        <mc:Fallback>
-          <p:pic>
-            <p:nvPicPr>
-              <p:cNvPr id="5" name="加载项 4" title="Code Presenter Pro"/>
-              <p:cNvPicPr>
-                <a:picLocks noGrp="1" noRot="1" noChangeAspect="1" noMove="1" noResize="1" noEditPoints="1" noAdjustHandles="1" noChangeArrowheads="1" noChangeShapeType="1"/>
-              </p:cNvPicPr>
-              <p:nvPr/>
-            </p:nvPicPr>
-            <p:blipFill>
-              <a:blip r:embed="rId5"/>
-              <a:stretch>
-                <a:fillRect/>
-              </a:stretch>
-            </p:blipFill>
-            <p:spPr>
-              <a:xfrm>
-                <a:off x="1111827" y="4048409"/>
-                <a:ext cx="5316682" cy="509154"/>
-              </a:xfrm>
-              <a:prstGeom prst="rect">
-                <a:avLst/>
-              </a:prstGeom>
-            </p:spPr>
-          </p:pic>
-        </mc:Fallback>
-      </mc:AlternateContent>
-      <mc:AlternateContent xmlns:mc="http://schemas.openxmlformats.org/markup-compatibility/2006">
-        <mc:Choice xmlns:we="http://schemas.microsoft.com/office/webextensions/webextension/2010/11" xmlns:pca="http://schemas.microsoft.com/office/powerpoint/2013/contentapp" Requires="we pca">
-          <p:graphicFrame>
-            <p:nvGraphicFramePr>
-              <p:cNvPr id="6" name="加载项 5" title="Code Presenter Pro"/>
-              <p:cNvGraphicFramePr>
-                <a:graphicFrameLocks noGrp="1"/>
-              </p:cNvGraphicFramePr>
-              <p:nvPr/>
-            </p:nvGraphicFramePr>
-            <p:xfrm>
-              <a:off x="1111827" y="5544117"/>
-              <a:ext cx="6231082" cy="304800"/>
-            </p:xfrm>
-            <a:graphic>
-              <a:graphicData uri="http://schemas.microsoft.com/office/webextensions/webextension/2010/11">
-                <we:webextensionref xmlns:we="http://schemas.microsoft.com/office/webextensions/webextension/2010/11" xmlns:r="http://schemas.openxmlformats.org/officeDocument/2006/relationships" r:id="rId6"/>
-              </a:graphicData>
-            </a:graphic>
-          </p:graphicFrame>
-        </mc:Choice>
-        <mc:Fallback>
-          <p:pic>
-            <p:nvPicPr>
-              <p:cNvPr id="6" name="加载项 5" title="Code Presenter Pro"/>
-              <p:cNvPicPr>
-                <a:picLocks noGrp="1" noRot="1" noChangeAspect="1" noMove="1" noResize="1" noEditPoints="1" noAdjustHandles="1" noChangeArrowheads="1" noChangeShapeType="1"/>
-              </p:cNvPicPr>
-              <p:nvPr/>
-            </p:nvPicPr>
-            <p:blipFill>
-              <a:blip r:embed="rId7"/>
-              <a:stretch>
-                <a:fillRect/>
-              </a:stretch>
-            </p:blipFill>
-            <p:spPr>
-              <a:xfrm>
-                <a:off x="1111827" y="5544117"/>
-                <a:ext cx="6231082" cy="304800"/>
-              </a:xfrm>
-              <a:prstGeom prst="rect">
-                <a:avLst/>
-              </a:prstGeom>
-            </p:spPr>
-          </p:pic>
-        </mc:Fallback>
-      </mc:AlternateContent>
+            <a:pPr marL="0" indent="0">
+              <a:buNone/>
+            </a:pPr>
+            <a:endParaRPr lang="en-US" altLang="zh-CN" dirty="0" smtClean="0"/>
+          </a:p>
+          <a:p>
+            <a:endParaRPr lang="en-US" altLang="zh-CN" dirty="0" smtClean="0"/>
+          </a:p>
+          <a:p>
+            <a:endParaRPr lang="en-US" altLang="zh-CN" dirty="0" smtClean="0"/>
+          </a:p>
+        </p:txBody>
+      </p:sp>
+      <p:pic>
+        <p:nvPicPr>
+          <p:cNvPr id="4" name="图片 3" descr="屏幕剪辑"/>
+          <p:cNvPicPr>
+            <a:picLocks noChangeAspect="1"/>
+          </p:cNvPicPr>
+          <p:nvPr/>
+        </p:nvPicPr>
+        <p:blipFill>
+          <a:blip r:embed="rId2">
+            <a:extLst>
+              <a:ext uri="{28A0092B-C50C-407E-A947-70E740481C1C}">
+                <a14:useLocalDpi xmlns:a14="http://schemas.microsoft.com/office/drawing/2010/main" val="0"/>
+              </a:ext>
+            </a:extLst>
+          </a:blip>
+          <a:stretch>
+            <a:fillRect/>
+          </a:stretch>
+        </p:blipFill>
+        <p:spPr>
+          <a:xfrm>
+            <a:off x="1143996" y="2286382"/>
+            <a:ext cx="6301564" cy="1066418"/>
+          </a:xfrm>
+          <a:prstGeom prst="rect">
+            <a:avLst/>
+          </a:prstGeom>
+        </p:spPr>
+      </p:pic>
+      <p:pic>
+        <p:nvPicPr>
+          <p:cNvPr id="5" name="图片 4" descr="屏幕剪辑"/>
+          <p:cNvPicPr>
+            <a:picLocks noChangeAspect="1"/>
+          </p:cNvPicPr>
+          <p:nvPr/>
+        </p:nvPicPr>
+        <p:blipFill>
+          <a:blip r:embed="rId3">
+            <a:extLst>
+              <a:ext uri="{28A0092B-C50C-407E-A947-70E740481C1C}">
+                <a14:useLocalDpi xmlns:a14="http://schemas.microsoft.com/office/drawing/2010/main" val="0"/>
+              </a:ext>
+            </a:extLst>
+          </a:blip>
+          <a:stretch>
+            <a:fillRect/>
+          </a:stretch>
+        </p:blipFill>
+        <p:spPr>
+          <a:xfrm>
+            <a:off x="1143996" y="4003912"/>
+            <a:ext cx="7620566" cy="692779"/>
+          </a:xfrm>
+          <a:prstGeom prst="rect">
+            <a:avLst/>
+          </a:prstGeom>
+        </p:spPr>
+      </p:pic>
     </p:spTree>
     <p:extLst>
       <p:ext uri="{BB962C8B-B14F-4D97-AF65-F5344CB8AC3E}">
         <p14:creationId xmlns:p14="http://schemas.microsoft.com/office/powerpoint/2010/main" val="3586012049"/>
+      </p:ext>
+    </p:extLst>
+  </p:cSld>
+  <p:clrMapOvr>
+    <a:masterClrMapping/>
+  </p:clrMapOvr>
+  <p:timing>
+    <p:tnLst>
+      <p:par>
+        <p:cTn id="1" dur="indefinite" restart="never" nodeType="tmRoot"/>
+      </p:par>
+    </p:tnLst>
+  </p:timing>
+</p:sld>
+</file>
+
+<file path=ppt/slides/slide4.xml><?xml version="1.0" encoding="utf-8"?>
+<p:sld xmlns:a="http://schemas.openxmlformats.org/drawingml/2006/main" xmlns:r="http://schemas.openxmlformats.org/officeDocument/2006/relationships" xmlns:p="http://schemas.openxmlformats.org/presentationml/2006/main">
+  <p:cSld>
+    <p:spTree>
+      <p:nvGrpSpPr>
+        <p:cNvPr id="1" name=""/>
+        <p:cNvGrpSpPr/>
+        <p:nvPr/>
+      </p:nvGrpSpPr>
+      <p:grpSpPr>
+        <a:xfrm>
+          <a:off x="0" y="0"/>
+          <a:ext cx="0" cy="0"/>
+          <a:chOff x="0" y="0"/>
+          <a:chExt cx="0" cy="0"/>
+        </a:xfrm>
+      </p:grpSpPr>
+      <p:sp>
+        <p:nvSpPr>
+          <p:cNvPr id="2" name="标题 1"/>
+          <p:cNvSpPr>
+            <a:spLocks noGrp="1"/>
+          </p:cNvSpPr>
+          <p:nvPr>
+            <p:ph type="title"/>
+          </p:nvPr>
+        </p:nvSpPr>
+        <p:spPr/>
+        <p:txBody>
+          <a:bodyPr/>
+          <a:lstStyle/>
+          <a:p>
+            <a:r>
+              <a:rPr lang="zh-CN" altLang="en-US" dirty="0"/>
+              <a:t>思考</a:t>
+            </a:r>
+          </a:p>
+        </p:txBody>
+      </p:sp>
+      <p:sp>
+        <p:nvSpPr>
+          <p:cNvPr id="3" name="内容占位符 2"/>
+          <p:cNvSpPr>
+            <a:spLocks noGrp="1"/>
+          </p:cNvSpPr>
+          <p:nvPr>
+            <p:ph idx="1"/>
+          </p:nvPr>
+        </p:nvSpPr>
+        <p:spPr/>
+        <p:txBody>
+          <a:bodyPr/>
+          <a:lstStyle/>
+          <a:p>
+            <a:r>
+              <a:rPr lang="zh-CN" altLang="en-US" dirty="0" smtClean="0"/>
+              <a:t>在示例文件</a:t>
+            </a:r>
+            <a:r>
+              <a:rPr lang="en-US" altLang="zh-CN" dirty="0" smtClean="0"/>
+              <a:t>index.html</a:t>
+            </a:r>
+            <a:r>
+              <a:rPr lang="zh-CN" altLang="en-US" dirty="0" smtClean="0"/>
+              <a:t>当中选中第二个</a:t>
+            </a:r>
+            <a:r>
+              <a:rPr lang="en-US" altLang="zh-CN" dirty="0" smtClean="0"/>
+              <a:t>checkbox</a:t>
+            </a:r>
+            <a:r>
+              <a:rPr lang="zh-CN" altLang="en-US" dirty="0"/>
+              <a:t>最</a:t>
+            </a:r>
+            <a:r>
+              <a:rPr lang="zh-CN" altLang="en-US" dirty="0" smtClean="0"/>
+              <a:t>简单的方法是什么？</a:t>
+            </a:r>
+            <a:endParaRPr lang="zh-CN" altLang="en-US" dirty="0"/>
+          </a:p>
+        </p:txBody>
+      </p:sp>
+      <p:sp>
+        <p:nvSpPr>
+          <p:cNvPr id="4" name="矩形 3"/>
+          <p:cNvSpPr/>
+          <p:nvPr/>
+        </p:nvSpPr>
+        <p:spPr>
+          <a:xfrm>
+            <a:off x="4414081" y="2416244"/>
+            <a:ext cx="3363838" cy="3170099"/>
+          </a:xfrm>
+          <a:prstGeom prst="rect">
+            <a:avLst/>
+          </a:prstGeom>
+          <a:noFill/>
+        </p:spPr>
+        <p:txBody>
+          <a:bodyPr wrap="square" lIns="91440" tIns="45720" rIns="91440" bIns="45720">
+            <a:spAutoFit/>
+          </a:bodyPr>
+          <a:lstStyle/>
+          <a:p>
+            <a:pPr algn="ctr"/>
+            <a:r>
+              <a:rPr lang="en-US" altLang="zh-CN" sz="20000" b="1" dirty="0">
+                <a:ln w="9525">
+                  <a:solidFill>
+                    <a:schemeClr val="bg1"/>
+                  </a:solidFill>
+                  <a:prstDash val="solid"/>
+                </a:ln>
+                <a:solidFill>
+                  <a:schemeClr val="accent5"/>
+                </a:solidFill>
+                <a:effectLst>
+                  <a:outerShdw blurRad="12700" dist="38100" dir="2700000" algn="tl" rotWithShape="0">
+                    <a:schemeClr val="accent5">
+                      <a:lumMod val="60000"/>
+                      <a:lumOff val="40000"/>
+                    </a:schemeClr>
+                  </a:outerShdw>
+                </a:effectLst>
+              </a:rPr>
+              <a:t>?</a:t>
+            </a:r>
+            <a:endParaRPr lang="zh-CN" altLang="en-US" sz="20000" b="1" cap="none" spc="0" dirty="0">
+              <a:ln w="9525">
+                <a:solidFill>
+                  <a:schemeClr val="bg1"/>
+                </a:solidFill>
+                <a:prstDash val="solid"/>
+              </a:ln>
+              <a:solidFill>
+                <a:schemeClr val="accent5"/>
+              </a:solidFill>
+              <a:effectLst>
+                <a:outerShdw blurRad="12700" dist="38100" dir="2700000" algn="tl" rotWithShape="0">
+                  <a:schemeClr val="accent5">
+                    <a:lumMod val="60000"/>
+                    <a:lumOff val="40000"/>
+                  </a:schemeClr>
+                </a:outerShdw>
+              </a:effectLst>
+            </a:endParaRPr>
+          </a:p>
+        </p:txBody>
+      </p:sp>
+    </p:spTree>
+    <p:extLst>
+      <p:ext uri="{BB962C8B-B14F-4D97-AF65-F5344CB8AC3E}">
+        <p14:creationId xmlns:p14="http://schemas.microsoft.com/office/powerpoint/2010/main" val="627696967"/>
+      </p:ext>
+    </p:extLst>
+  </p:cSld>
+  <p:clrMapOvr>
+    <a:masterClrMapping/>
+  </p:clrMapOvr>
+  <p:timing>
+    <p:tnLst>
+      <p:par>
+        <p:cTn id="1" dur="indefinite" restart="never" nodeType="tmRoot"/>
+      </p:par>
+    </p:tnLst>
+  </p:timing>
+</p:sld>
+</file>
+
+<file path=ppt/slides/slide5.xml><?xml version="1.0" encoding="utf-8"?>
+<p:sld xmlns:a="http://schemas.openxmlformats.org/drawingml/2006/main" xmlns:r="http://schemas.openxmlformats.org/officeDocument/2006/relationships" xmlns:p="http://schemas.openxmlformats.org/presentationml/2006/main">
+  <p:cSld>
+    <p:spTree>
+      <p:nvGrpSpPr>
+        <p:cNvPr id="1" name=""/>
+        <p:cNvGrpSpPr/>
+        <p:nvPr/>
+      </p:nvGrpSpPr>
+      <p:grpSpPr>
+        <a:xfrm>
+          <a:off x="0" y="0"/>
+          <a:ext cx="0" cy="0"/>
+          <a:chOff x="0" y="0"/>
+          <a:chExt cx="0" cy="0"/>
+        </a:xfrm>
+      </p:grpSpPr>
+      <p:sp>
+        <p:nvSpPr>
+          <p:cNvPr id="2" name="标题 1"/>
+          <p:cNvSpPr>
+            <a:spLocks noGrp="1"/>
+          </p:cNvSpPr>
+          <p:nvPr>
+            <p:ph type="title"/>
+          </p:nvPr>
+        </p:nvSpPr>
+        <p:spPr/>
+        <p:txBody>
+          <a:bodyPr/>
+          <a:lstStyle/>
+          <a:p>
+            <a:r>
+              <a:rPr lang="en-US" altLang="zh-CN" dirty="0" smtClean="0"/>
+              <a:t>.on(‘click’)</a:t>
+            </a:r>
+            <a:r>
+              <a:rPr lang="zh-CN" altLang="en-US" dirty="0" smtClean="0"/>
+              <a:t>和</a:t>
+            </a:r>
+            <a:r>
+              <a:rPr lang="en-US" altLang="zh-CN" dirty="0" smtClean="0"/>
+              <a:t>.click()</a:t>
+            </a:r>
+            <a:r>
+              <a:rPr lang="zh-CN" altLang="en-US" dirty="0" smtClean="0"/>
+              <a:t>的区别</a:t>
+            </a:r>
+            <a:endParaRPr lang="zh-CN" altLang="en-US" dirty="0"/>
+          </a:p>
+        </p:txBody>
+      </p:sp>
+      <p:sp>
+        <p:nvSpPr>
+          <p:cNvPr id="3" name="内容占位符 2"/>
+          <p:cNvSpPr>
+            <a:spLocks noGrp="1"/>
+          </p:cNvSpPr>
+          <p:nvPr>
+            <p:ph idx="1"/>
+          </p:nvPr>
+        </p:nvSpPr>
+        <p:spPr/>
+        <p:txBody>
+          <a:bodyPr/>
+          <a:lstStyle/>
+          <a:p>
+            <a:r>
+              <a:rPr lang="zh-CN" altLang="en-US" dirty="0" smtClean="0"/>
+              <a:t>直接使用区别并不大</a:t>
+            </a:r>
+            <a:endParaRPr lang="en-US" altLang="zh-CN" dirty="0" smtClean="0"/>
+          </a:p>
+          <a:p>
+            <a:r>
+              <a:rPr lang="zh-CN" altLang="en-US" dirty="0" smtClean="0"/>
+              <a:t>但是对于异步加载的元素应该使用</a:t>
+            </a:r>
+            <a:r>
+              <a:rPr lang="en-US" altLang="zh-CN" dirty="0" smtClean="0"/>
+              <a:t>.on(‘click’)</a:t>
+            </a:r>
+          </a:p>
+          <a:p>
+            <a:r>
+              <a:rPr lang="zh-CN" altLang="en-US" dirty="0" smtClean="0"/>
+              <a:t>一般使用</a:t>
+            </a:r>
+            <a:r>
+              <a:rPr lang="en-US" altLang="zh-CN" dirty="0" smtClean="0"/>
+              <a:t>.click()</a:t>
+            </a:r>
+            <a:endParaRPr lang="zh-CN" altLang="en-US" dirty="0"/>
+          </a:p>
+        </p:txBody>
+      </p:sp>
+    </p:spTree>
+    <p:extLst>
+      <p:ext uri="{BB962C8B-B14F-4D97-AF65-F5344CB8AC3E}">
+        <p14:creationId xmlns:p14="http://schemas.microsoft.com/office/powerpoint/2010/main" val="1563476134"/>
+      </p:ext>
+    </p:extLst>
+  </p:cSld>
+  <p:clrMapOvr>
+    <a:masterClrMapping/>
+  </p:clrMapOvr>
+  <p:timing>
+    <p:tnLst>
+      <p:par>
+        <p:cTn id="1" dur="indefinite" restart="never" nodeType="tmRoot"/>
+      </p:par>
+    </p:tnLst>
+  </p:timing>
+</p:sld>
+</file>
+
+<file path=ppt/slides/slide6.xml><?xml version="1.0" encoding="utf-8"?>
+<p:sld xmlns:a="http://schemas.openxmlformats.org/drawingml/2006/main" xmlns:r="http://schemas.openxmlformats.org/officeDocument/2006/relationships" xmlns:p="http://schemas.openxmlformats.org/presentationml/2006/main">
+  <p:cSld>
+    <p:spTree>
+      <p:nvGrpSpPr>
+        <p:cNvPr id="1" name=""/>
+        <p:cNvGrpSpPr/>
+        <p:nvPr/>
+      </p:nvGrpSpPr>
+      <p:grpSpPr>
+        <a:xfrm>
+          <a:off x="0" y="0"/>
+          <a:ext cx="0" cy="0"/>
+          <a:chOff x="0" y="0"/>
+          <a:chExt cx="0" cy="0"/>
+        </a:xfrm>
+      </p:grpSpPr>
+      <p:sp>
+        <p:nvSpPr>
+          <p:cNvPr id="2" name="标题 1"/>
+          <p:cNvSpPr>
+            <a:spLocks noGrp="1"/>
+          </p:cNvSpPr>
+          <p:nvPr>
+            <p:ph type="title"/>
+          </p:nvPr>
+        </p:nvSpPr>
+        <p:spPr/>
+        <p:txBody>
+          <a:bodyPr/>
+          <a:lstStyle/>
+          <a:p>
+            <a:r>
+              <a:rPr lang="en-US" altLang="zh-CN" dirty="0" smtClean="0"/>
+              <a:t>jQuery</a:t>
+            </a:r>
+            <a:r>
+              <a:rPr lang="zh-CN" altLang="en-US" dirty="0" smtClean="0"/>
+              <a:t>的样式处理</a:t>
+            </a:r>
+            <a:endParaRPr lang="zh-CN" altLang="en-US" dirty="0"/>
+          </a:p>
+        </p:txBody>
+      </p:sp>
+      <p:sp>
+        <p:nvSpPr>
+          <p:cNvPr id="3" name="内容占位符 2"/>
+          <p:cNvSpPr>
+            <a:spLocks noGrp="1"/>
+          </p:cNvSpPr>
+          <p:nvPr>
+            <p:ph idx="1"/>
+          </p:nvPr>
+        </p:nvSpPr>
+        <p:spPr/>
+        <p:txBody>
+          <a:bodyPr/>
+          <a:lstStyle/>
+          <a:p>
+            <a:r>
+              <a:rPr lang="en-US" altLang="zh-CN" dirty="0" smtClean="0"/>
+              <a:t>.hide()</a:t>
+            </a:r>
+            <a:r>
+              <a:rPr lang="zh-CN" altLang="en-US" dirty="0" smtClean="0"/>
+              <a:t>和</a:t>
+            </a:r>
+            <a:r>
+              <a:rPr lang="en-US" altLang="zh-CN" dirty="0" smtClean="0"/>
+              <a:t>.show()	</a:t>
+            </a:r>
+            <a:r>
+              <a:rPr lang="zh-CN" altLang="en-US" dirty="0" smtClean="0"/>
+              <a:t>相当于对元素的</a:t>
+            </a:r>
+            <a:r>
+              <a:rPr lang="en-US" altLang="zh-CN" dirty="0" smtClean="0"/>
+              <a:t>display</a:t>
+            </a:r>
+            <a:r>
+              <a:rPr lang="zh-CN" altLang="en-US" dirty="0" smtClean="0"/>
+              <a:t>样式进行操作</a:t>
+            </a:r>
+            <a:endParaRPr lang="en-US" altLang="zh-CN" dirty="0" smtClean="0"/>
+          </a:p>
+          <a:p>
+            <a:r>
+              <a:rPr lang="en-US" altLang="zh-CN" dirty="0" smtClean="0"/>
+              <a:t>.append()</a:t>
+            </a:r>
+            <a:r>
+              <a:rPr lang="zh-CN" altLang="en-US" dirty="0" smtClean="0"/>
+              <a:t>、</a:t>
+            </a:r>
+            <a:r>
+              <a:rPr lang="en-US" altLang="zh-CN" dirty="0" smtClean="0"/>
+              <a:t>.</a:t>
+            </a:r>
+            <a:r>
+              <a:rPr lang="en-US" altLang="zh-CN" dirty="0" err="1" smtClean="0"/>
+              <a:t>appendTo</a:t>
+            </a:r>
+            <a:r>
+              <a:rPr lang="en-US" altLang="zh-CN" dirty="0" smtClean="0"/>
+              <a:t>()</a:t>
+            </a:r>
+            <a:r>
+              <a:rPr lang="zh-CN" altLang="en-US" dirty="0" smtClean="0"/>
+              <a:t>和</a:t>
+            </a:r>
+            <a:r>
+              <a:rPr lang="en-US" altLang="zh-CN" dirty="0" smtClean="0"/>
+              <a:t>.remove()</a:t>
+            </a:r>
+            <a:r>
+              <a:rPr lang="en-US" altLang="zh-CN" dirty="0"/>
+              <a:t>	</a:t>
+            </a:r>
+            <a:r>
+              <a:rPr lang="zh-CN" altLang="en-US" dirty="0"/>
+              <a:t>第一</a:t>
+            </a:r>
+            <a:r>
+              <a:rPr lang="zh-CN" altLang="en-US" dirty="0" smtClean="0"/>
+              <a:t>个添加、第二个被添加、第三个删除</a:t>
+            </a:r>
+            <a:endParaRPr lang="en-US" altLang="zh-CN" dirty="0" smtClean="0"/>
+          </a:p>
+          <a:p>
+            <a:r>
+              <a:rPr lang="en-US" altLang="zh-CN" dirty="0" smtClean="0"/>
+              <a:t>.before()</a:t>
+            </a:r>
+            <a:r>
+              <a:rPr lang="zh-CN" altLang="en-US" dirty="0" smtClean="0"/>
+              <a:t>和</a:t>
+            </a:r>
+            <a:r>
+              <a:rPr lang="en-US" altLang="zh-CN" dirty="0" smtClean="0"/>
+              <a:t>.after()	</a:t>
+            </a:r>
+            <a:r>
+              <a:rPr lang="zh-CN" altLang="en-US" dirty="0" smtClean="0"/>
+              <a:t>在前面或者后面</a:t>
+            </a:r>
+            <a:endParaRPr lang="en-US" altLang="zh-CN" dirty="0" smtClean="0"/>
+          </a:p>
+          <a:p>
+            <a:r>
+              <a:rPr lang="en-US" altLang="zh-CN" dirty="0" smtClean="0"/>
+              <a:t>.</a:t>
+            </a:r>
+            <a:r>
+              <a:rPr lang="en-US" altLang="zh-CN" dirty="0" err="1" smtClean="0"/>
+              <a:t>css</a:t>
+            </a:r>
+            <a:r>
+              <a:rPr lang="en-US" altLang="zh-CN" dirty="0" smtClean="0"/>
+              <a:t>()</a:t>
+            </a:r>
+            <a:r>
+              <a:rPr lang="en-US" altLang="zh-CN" dirty="0"/>
+              <a:t>	</a:t>
+            </a:r>
+            <a:r>
+              <a:rPr lang="zh-CN" altLang="en-US" dirty="0" smtClean="0"/>
+              <a:t>提一下，你不要用</a:t>
+            </a:r>
+            <a:endParaRPr lang="en-US" altLang="zh-CN" dirty="0" smtClean="0"/>
+          </a:p>
+          <a:p>
+            <a:r>
+              <a:rPr lang="en-US" altLang="zh-CN" dirty="0" smtClean="0"/>
+              <a:t>.</a:t>
+            </a:r>
+            <a:r>
+              <a:rPr lang="en-US" altLang="zh-CN" dirty="0" err="1" smtClean="0"/>
+              <a:t>hasClass</a:t>
+            </a:r>
+            <a:r>
+              <a:rPr lang="en-US" altLang="zh-CN" dirty="0" smtClean="0"/>
+              <a:t>()</a:t>
+            </a:r>
+            <a:r>
+              <a:rPr lang="zh-CN" altLang="en-US" dirty="0" smtClean="0"/>
+              <a:t>、</a:t>
+            </a:r>
+            <a:r>
+              <a:rPr lang="en-US" altLang="zh-CN" dirty="0" smtClean="0"/>
+              <a:t>.</a:t>
+            </a:r>
+            <a:r>
+              <a:rPr lang="en-US" altLang="zh-CN" dirty="0" err="1" smtClean="0"/>
+              <a:t>addClass</a:t>
+            </a:r>
+            <a:r>
+              <a:rPr lang="en-US" altLang="zh-CN" dirty="0" smtClean="0"/>
+              <a:t>()</a:t>
+            </a:r>
+            <a:r>
+              <a:rPr lang="zh-CN" altLang="en-US" dirty="0" smtClean="0"/>
+              <a:t>、</a:t>
+            </a:r>
+            <a:r>
+              <a:rPr lang="en-US" altLang="zh-CN" dirty="0" smtClean="0"/>
+              <a:t>.</a:t>
+            </a:r>
+            <a:r>
+              <a:rPr lang="en-US" altLang="zh-CN" dirty="0" err="1" smtClean="0"/>
+              <a:t>removeClass</a:t>
+            </a:r>
+            <a:r>
+              <a:rPr lang="en-US" altLang="zh-CN" dirty="0" smtClean="0"/>
+              <a:t>()	</a:t>
+            </a:r>
+            <a:r>
+              <a:rPr lang="zh-CN" altLang="en-US" dirty="0" smtClean="0"/>
+              <a:t>需要对元素进行判断和样式预设绑定时使用</a:t>
+            </a:r>
+            <a:endParaRPr lang="en-US" altLang="zh-CN" dirty="0" smtClean="0"/>
+          </a:p>
+          <a:p>
+            <a:r>
+              <a:rPr lang="en-US" altLang="zh-CN" dirty="0" smtClean="0"/>
+              <a:t>.</a:t>
+            </a:r>
+            <a:r>
+              <a:rPr lang="en-US" altLang="zh-CN" dirty="0" err="1" smtClean="0"/>
+              <a:t>attr</a:t>
+            </a:r>
+            <a:r>
+              <a:rPr lang="en-US" altLang="zh-CN" dirty="0" smtClean="0"/>
+              <a:t>()</a:t>
+            </a:r>
+            <a:r>
+              <a:rPr lang="zh-CN" altLang="en-US" dirty="0" smtClean="0"/>
+              <a:t>和</a:t>
+            </a:r>
+            <a:r>
+              <a:rPr lang="en-US" altLang="zh-CN" dirty="0" smtClean="0"/>
+              <a:t>.prop()	</a:t>
+            </a:r>
+            <a:r>
+              <a:rPr lang="zh-CN" altLang="en-US" dirty="0" smtClean="0"/>
+              <a:t>前者对元素的一般属性进行配置，后者用于布尔型属性如</a:t>
+            </a:r>
+            <a:r>
+              <a:rPr lang="en-US" altLang="zh-CN" dirty="0" smtClean="0"/>
+              <a:t>checked</a:t>
+            </a:r>
+          </a:p>
+        </p:txBody>
+      </p:sp>
+    </p:spTree>
+    <p:extLst>
+      <p:ext uri="{BB962C8B-B14F-4D97-AF65-F5344CB8AC3E}">
+        <p14:creationId xmlns:p14="http://schemas.microsoft.com/office/powerpoint/2010/main" val="4260605194"/>
+      </p:ext>
+    </p:extLst>
+  </p:cSld>
+  <p:clrMapOvr>
+    <a:masterClrMapping/>
+  </p:clrMapOvr>
+  <p:timing>
+    <p:tnLst>
+      <p:par>
+        <p:cTn id="1" dur="indefinite" restart="never" nodeType="tmRoot"/>
+      </p:par>
+    </p:tnLst>
+  </p:timing>
+</p:sld>
+</file>
+
+<file path=ppt/slides/slide7.xml><?xml version="1.0" encoding="utf-8"?>
+<p:sld xmlns:a="http://schemas.openxmlformats.org/drawingml/2006/main" xmlns:r="http://schemas.openxmlformats.org/officeDocument/2006/relationships" xmlns:p="http://schemas.openxmlformats.org/presentationml/2006/main">
+  <p:cSld>
+    <p:spTree>
+      <p:nvGrpSpPr>
+        <p:cNvPr id="1" name=""/>
+        <p:cNvGrpSpPr/>
+        <p:nvPr/>
+      </p:nvGrpSpPr>
+      <p:grpSpPr>
+        <a:xfrm>
+          <a:off x="0" y="0"/>
+          <a:ext cx="0" cy="0"/>
+          <a:chOff x="0" y="0"/>
+          <a:chExt cx="0" cy="0"/>
+        </a:xfrm>
+      </p:grpSpPr>
+      <p:sp>
+        <p:nvSpPr>
+          <p:cNvPr id="2" name="标题 1"/>
+          <p:cNvSpPr>
+            <a:spLocks noGrp="1"/>
+          </p:cNvSpPr>
+          <p:nvPr>
+            <p:ph type="title"/>
+          </p:nvPr>
+        </p:nvSpPr>
+        <p:spPr/>
+        <p:txBody>
+          <a:bodyPr/>
+          <a:lstStyle/>
+          <a:p>
+            <a:r>
+              <a:rPr lang="zh-CN" altLang="en-US" dirty="0"/>
+              <a:t>思考</a:t>
+            </a:r>
+          </a:p>
+        </p:txBody>
+      </p:sp>
+      <p:sp>
+        <p:nvSpPr>
+          <p:cNvPr id="3" name="内容占位符 2"/>
+          <p:cNvSpPr>
+            <a:spLocks noGrp="1"/>
+          </p:cNvSpPr>
+          <p:nvPr>
+            <p:ph idx="1"/>
+          </p:nvPr>
+        </p:nvSpPr>
+        <p:spPr/>
+        <p:txBody>
+          <a:bodyPr/>
+          <a:lstStyle/>
+          <a:p>
+            <a:r>
+              <a:rPr lang="zh-CN" altLang="en-US" dirty="0" smtClean="0"/>
+              <a:t>在示例文件</a:t>
+            </a:r>
+            <a:r>
+              <a:rPr lang="en-US" altLang="zh-CN" dirty="0" smtClean="0"/>
+              <a:t>index.html</a:t>
+            </a:r>
+            <a:r>
+              <a:rPr lang="zh-CN" altLang="en-US" dirty="0" smtClean="0"/>
+              <a:t>当中，在两个</a:t>
+            </a:r>
+            <a:r>
+              <a:rPr lang="en-US" altLang="zh-CN" dirty="0" err="1" smtClean="0"/>
+              <a:t>ul</a:t>
+            </a:r>
+            <a:r>
+              <a:rPr lang="zh-CN" altLang="en-US" dirty="0" smtClean="0"/>
+              <a:t>之间添加一个</a:t>
+            </a:r>
+            <a:r>
+              <a:rPr lang="en-US" altLang="zh-CN" dirty="0" smtClean="0"/>
+              <a:t>checkbox</a:t>
+            </a:r>
+            <a:r>
+              <a:rPr lang="zh-CN" altLang="en-US" dirty="0" smtClean="0"/>
+              <a:t>，新增自定义属性</a:t>
+            </a:r>
+            <a:r>
+              <a:rPr lang="en-US" altLang="zh-CN" dirty="0" smtClean="0"/>
+              <a:t>data-self</a:t>
+            </a:r>
+            <a:r>
+              <a:rPr lang="zh-CN" altLang="en-US" dirty="0" smtClean="0"/>
+              <a:t>，使它的值为</a:t>
+            </a:r>
+            <a:r>
+              <a:rPr lang="en-US" altLang="zh-CN" dirty="0" smtClean="0"/>
+              <a:t>123</a:t>
+            </a:r>
+            <a:r>
+              <a:rPr lang="zh-CN" altLang="en-US" dirty="0" smtClean="0"/>
+              <a:t>，当点击它为选中状态后</a:t>
+            </a:r>
+            <a:r>
+              <a:rPr lang="en-US" altLang="zh-CN" dirty="0" smtClean="0"/>
+              <a:t>5</a:t>
+            </a:r>
+            <a:r>
+              <a:rPr lang="zh-CN" altLang="en-US" dirty="0" smtClean="0"/>
+              <a:t>秒，从文档中删除。</a:t>
+            </a:r>
+            <a:endParaRPr lang="en-US" altLang="zh-CN" dirty="0" smtClean="0"/>
+          </a:p>
+        </p:txBody>
+      </p:sp>
+      <p:sp>
+        <p:nvSpPr>
+          <p:cNvPr id="4" name="矩形 3"/>
+          <p:cNvSpPr/>
+          <p:nvPr/>
+        </p:nvSpPr>
+        <p:spPr>
+          <a:xfrm>
+            <a:off x="4414081" y="3006864"/>
+            <a:ext cx="3363838" cy="3170099"/>
+          </a:xfrm>
+          <a:prstGeom prst="rect">
+            <a:avLst/>
+          </a:prstGeom>
+          <a:noFill/>
+        </p:spPr>
+        <p:txBody>
+          <a:bodyPr wrap="square" lIns="91440" tIns="45720" rIns="91440" bIns="45720">
+            <a:spAutoFit/>
+          </a:bodyPr>
+          <a:lstStyle/>
+          <a:p>
+            <a:pPr algn="ctr"/>
+            <a:r>
+              <a:rPr lang="en-US" altLang="zh-CN" sz="20000" b="1" dirty="0">
+                <a:ln w="9525">
+                  <a:solidFill>
+                    <a:schemeClr val="bg1"/>
+                  </a:solidFill>
+                  <a:prstDash val="solid"/>
+                </a:ln>
+                <a:solidFill>
+                  <a:schemeClr val="accent5"/>
+                </a:solidFill>
+                <a:effectLst>
+                  <a:outerShdw blurRad="12700" dist="38100" dir="2700000" algn="tl" rotWithShape="0">
+                    <a:schemeClr val="accent5">
+                      <a:lumMod val="60000"/>
+                      <a:lumOff val="40000"/>
+                    </a:schemeClr>
+                  </a:outerShdw>
+                </a:effectLst>
+              </a:rPr>
+              <a:t>?</a:t>
+            </a:r>
+            <a:endParaRPr lang="zh-CN" altLang="en-US" sz="20000" b="1" cap="none" spc="0" dirty="0">
+              <a:ln w="9525">
+                <a:solidFill>
+                  <a:schemeClr val="bg1"/>
+                </a:solidFill>
+                <a:prstDash val="solid"/>
+              </a:ln>
+              <a:solidFill>
+                <a:schemeClr val="accent5"/>
+              </a:solidFill>
+              <a:effectLst>
+                <a:outerShdw blurRad="12700" dist="38100" dir="2700000" algn="tl" rotWithShape="0">
+                  <a:schemeClr val="accent5">
+                    <a:lumMod val="60000"/>
+                    <a:lumOff val="40000"/>
+                  </a:schemeClr>
+                </a:outerShdw>
+              </a:effectLst>
+            </a:endParaRPr>
+          </a:p>
+        </p:txBody>
+      </p:sp>
+    </p:spTree>
+    <p:extLst>
+      <p:ext uri="{BB962C8B-B14F-4D97-AF65-F5344CB8AC3E}">
+        <p14:creationId xmlns:p14="http://schemas.microsoft.com/office/powerpoint/2010/main" val="736809242"/>
+      </p:ext>
+    </p:extLst>
+  </p:cSld>
+  <p:clrMapOvr>
+    <a:masterClrMapping/>
+  </p:clrMapOvr>
+  <p:timing>
+    <p:tnLst>
+      <p:par>
+        <p:cTn id="1" dur="indefinite" restart="never" nodeType="tmRoot"/>
+      </p:par>
+    </p:tnLst>
+  </p:timing>
+</p:sld>
+</file>
+
+<file path=ppt/slides/slide8.xml><?xml version="1.0" encoding="utf-8"?>
+<p:sld xmlns:a="http://schemas.openxmlformats.org/drawingml/2006/main" xmlns:r="http://schemas.openxmlformats.org/officeDocument/2006/relationships" xmlns:p="http://schemas.openxmlformats.org/presentationml/2006/main">
+  <p:cSld>
+    <p:spTree>
+      <p:nvGrpSpPr>
+        <p:cNvPr id="1" name=""/>
+        <p:cNvGrpSpPr/>
+        <p:nvPr/>
+      </p:nvGrpSpPr>
+      <p:grpSpPr>
+        <a:xfrm>
+          <a:off x="0" y="0"/>
+          <a:ext cx="0" cy="0"/>
+          <a:chOff x="0" y="0"/>
+          <a:chExt cx="0" cy="0"/>
+        </a:xfrm>
+      </p:grpSpPr>
+      <p:sp>
+        <p:nvSpPr>
+          <p:cNvPr id="2" name="标题 1"/>
+          <p:cNvSpPr>
+            <a:spLocks noGrp="1"/>
+          </p:cNvSpPr>
+          <p:nvPr>
+            <p:ph type="title"/>
+          </p:nvPr>
+        </p:nvSpPr>
+        <p:spPr/>
+        <p:txBody>
+          <a:bodyPr/>
+          <a:lstStyle/>
+          <a:p>
+            <a:r>
+              <a:rPr lang="zh-CN" altLang="en-US" dirty="0" smtClean="0"/>
+              <a:t>参考答案</a:t>
+            </a:r>
+            <a:endParaRPr lang="zh-CN" altLang="en-US" dirty="0"/>
+          </a:p>
+        </p:txBody>
+      </p:sp>
+      <p:pic>
+        <p:nvPicPr>
+          <p:cNvPr id="4" name="图片 3" descr="屏幕剪辑"/>
+          <p:cNvPicPr>
+            <a:picLocks noChangeAspect="1"/>
+          </p:cNvPicPr>
+          <p:nvPr/>
+        </p:nvPicPr>
+        <p:blipFill>
+          <a:blip r:embed="rId2">
+            <a:extLst>
+              <a:ext uri="{28A0092B-C50C-407E-A947-70E740481C1C}">
+                <a14:useLocalDpi xmlns:a14="http://schemas.microsoft.com/office/drawing/2010/main" val="0"/>
+              </a:ext>
+            </a:extLst>
+          </a:blip>
+          <a:stretch>
+            <a:fillRect/>
+          </a:stretch>
+        </p:blipFill>
+        <p:spPr>
+          <a:xfrm>
+            <a:off x="838200" y="1920466"/>
+            <a:ext cx="9594501" cy="3898442"/>
+          </a:xfrm>
+          <a:prstGeom prst="rect">
+            <a:avLst/>
+          </a:prstGeom>
+        </p:spPr>
+      </p:pic>
+    </p:spTree>
+    <p:extLst>
+      <p:ext uri="{BB962C8B-B14F-4D97-AF65-F5344CB8AC3E}">
+        <p14:creationId xmlns:p14="http://schemas.microsoft.com/office/powerpoint/2010/main" val="155314420"/>
       </p:ext>
     </p:extLst>
   </p:cSld>
@@ -3854,88 +4563,4 @@
     </a:ext>
   </a:extLst>
 </a:theme>
-</file>
-
-<file path=ppt/webextensions/webextension1.xml><?xml version="1.0" encoding="utf-8"?>
-<we:webextension xmlns:we="http://schemas.microsoft.com/office/webextensions/webextension/2010/11" id="{8A1E157E-0E0E-4316-8C5F-F25763A0C561}">
-  <we:reference id="wa104379263" version="1.0.0.1" store="zh-CN" storeType="OMEX"/>
-  <we:alternateReferences>
-    <we:reference id="wa104379263" version="1.0.0.1" store="wa104379263" storeType="OMEX"/>
-  </we:alternateReferences>
-  <we:properties>
-    <we:property name="config" value="{&quot;display_lang&quot;:&quot;en&quot;,&quot;display_font&quot;:&quot;Consolas&quot;,&quot;syntax_color&quot;:{&quot;Reserved words&quot;:&quot;#0000ff&quot;,&quot;Built-in objects&quot;:&quot;#FF0000&quot;,&quot;Line comment&quot;:&quot;#008000&quot;,&quot;Block comment&quot;:&quot;#008000&quot;,&quot;Quotation&quot;:&quot;#FF00FF&quot;,&quot;Quotation 2&quot;:&quot;#FF00FF&quot;,&quot;Number&quot;:&quot;#800080&quot;},&quot;old_syntax_color&quot;:{&quot;Reserved words&quot;:&quot;#0000FF&quot;,&quot;Built-in objects&quot;:&quot;#FF0000&quot;,&quot;Line comment&quot;:&quot;#008000&quot;,&quot;Block comment&quot;:&quot;#008000&quot;,&quot;Quotation&quot;:&quot;#FF00FF&quot;,&quot;Quotation 2&quot;:&quot;#FF00FF&quot;,&quot;Number&quot;:&quot;#800080&quot;},&quot;show_line_number&quot;:true,&quot;code_lang&quot;:&quot;js&quot;,&quot;code&quot;:&quot;$('p')   //选择页面上所有的p标签\n$('ul li')    //选择所有ul标签下的li标签&quot;,&quot;ctags&quot;:{}}"/>
-  </we:properties>
-  <we:bindings/>
-  <we:snapshot xmlns:r="http://schemas.openxmlformats.org/officeDocument/2006/relationships" r:embed="rId1"/>
-</we:webextension>
-</file>
-
-<file path=ppt/webextensions/webextension2.xml><?xml version="1.0" encoding="utf-8"?>
-<we:webextension xmlns:we="http://schemas.microsoft.com/office/webextensions/webextension/2010/11" id="{A93ECB7A-8464-4329-A1B8-90AB937489FC}">
-  <we:reference id="wa104379263" version="1.0.0.1" store="zh-CN" storeType="OMEX"/>
-  <we:alternateReferences>
-    <we:reference id="wa104379263" version="1.0.0.1" store="wa104379263" storeType="OMEX"/>
-  </we:alternateReferences>
-  <we:properties>
-    <we:property name="config" value="{&quot;display_lang&quot;:&quot;en&quot;,&quot;display_font&quot;:&quot;Consolas&quot;,&quot;syntax_color&quot;:{&quot;Reserved words&quot;:&quot;#0000ff&quot;,&quot;Built-in objects&quot;:&quot;#FF0000&quot;,&quot;Line comment&quot;:&quot;#008000&quot;,&quot;Block comment&quot;:&quot;#008000&quot;,&quot;Quotation&quot;:&quot;#FF00FF&quot;,&quot;Quotation 2&quot;:&quot;#FF00FF&quot;,&quot;Number&quot;:&quot;#800080&quot;},&quot;old_syntax_color&quot;:{&quot;Reserved words&quot;:&quot;#0000FF&quot;,&quot;Built-in objects&quot;:&quot;#FF0000&quot;,&quot;Line comment&quot;:&quot;#008000&quot;,&quot;Block comment&quot;:&quot;#008000&quot;,&quot;Quotation&quot;:&quot;#FF00FF&quot;,&quot;Quotation 2&quot;:&quot;#FF00FF&quot;,&quot;Number&quot;:&quot;#800080&quot;},&quot;show_line_number&quot;:true,&quot;code_lang&quot;:&quot;js&quot;,&quot;code&quot;:&quot;$('.red')   //选择页面上所有类名为red的标签\n$('p.red')    //选择所有拥有red类的p标签&quot;,&quot;ctags&quot;:{}}"/>
-  </we:properties>
-  <we:bindings/>
-  <we:snapshot xmlns:r="http://schemas.openxmlformats.org/officeDocument/2006/relationships" r:embed="rId1"/>
-</we:webextension>
-</file>
-
-<file path=ppt/webextensions/webextension3.xml><?xml version="1.0" encoding="utf-8"?>
-<we:webextension xmlns:we="http://schemas.microsoft.com/office/webextensions/webextension/2010/11" id="{BBC622FC-DA4B-4244-92D9-2909F9FD1E53}">
-  <we:reference id="wa104379263" version="1.0.0.1" store="zh-CN" storeType="OMEX"/>
-  <we:alternateReferences>
-    <we:reference id="wa104379263" version="1.0.0.1" store="wa104379263" storeType="OMEX"/>
-  </we:alternateReferences>
-  <we:properties>
-    <we:property name="config" value="{&quot;display_lang&quot;:&quot;en&quot;,&quot;display_font&quot;:&quot;Consolas&quot;,&quot;syntax_color&quot;:{&quot;Reserved words&quot;:&quot;#0000ff&quot;,&quot;Built-in objects&quot;:&quot;#FF0000&quot;,&quot;Line comment&quot;:&quot;#008000&quot;,&quot;Block comment&quot;:&quot;#008000&quot;,&quot;Quotation&quot;:&quot;#FF00FF&quot;,&quot;Quotation 2&quot;:&quot;#FF00FF&quot;,&quot;Number&quot;:&quot;#800080&quot;},&quot;old_syntax_color&quot;:{&quot;Reserved words&quot;:&quot;#0000FF&quot;,&quot;Built-in objects&quot;:&quot;#FF0000&quot;,&quot;Line comment&quot;:&quot;#008000&quot;,&quot;Block comment&quot;:&quot;#008000&quot;,&quot;Quotation&quot;:&quot;#FF00FF&quot;,&quot;Quotation 2&quot;:&quot;#FF00FF&quot;,&quot;Number&quot;:&quot;#800080&quot;},&quot;show_line_number&quot;:true,&quot;code_lang&quot;:&quot;js&quot;,&quot;code&quot;:&quot;$('.red')   //选择页面上所有类名为red的标签\n$('p.red')    //选择所有拥有red类的p标签&quot;,&quot;ctags&quot;:{}}"/>
-  </we:properties>
-  <we:bindings/>
-  <we:snapshot xmlns:r="http://schemas.openxmlformats.org/officeDocument/2006/relationships" r:embed="rId1"/>
-</we:webextension>
-</file>
-
-<file path=ppt/webextensions/webextension4.xml><?xml version="1.0" encoding="utf-8"?>
-<we:webextension xmlns:we="http://schemas.microsoft.com/office/webextensions/webextension/2010/11" id="{6B3764D6-F701-46DC-9820-AEF9C4E9D8A9}">
-  <we:reference id="wa104379263" version="1.0.0.1" store="zh-CN" storeType="OMEX"/>
-  <we:alternateReferences>
-    <we:reference id="wa104379263" version="1.0.0.1" store="wa104379263" storeType="OMEX"/>
-  </we:alternateReferences>
-  <we:properties>
-    <we:property name="config" value="{&quot;display_lang&quot;:&quot;en&quot;,&quot;display_font&quot;:&quot;Consolas&quot;,&quot;syntax_color&quot;:{&quot;Reserved words&quot;:&quot;#0000ff&quot;,&quot;Built-in objects&quot;:&quot;#FF0000&quot;,&quot;Line comment&quot;:&quot;#008000&quot;,&quot;Block comment&quot;:&quot;#008000&quot;,&quot;Quotation&quot;:&quot;#FF00FF&quot;,&quot;Quotation 2&quot;:&quot;#FF00FF&quot;,&quot;Number&quot;:&quot;#800080&quot;},&quot;old_syntax_color&quot;:{&quot;Reserved words&quot;:&quot;#0000FF&quot;,&quot;Built-in objects&quot;:&quot;#FF0000&quot;,&quot;Line comment&quot;:&quot;#008000&quot;,&quot;Block comment&quot;:&quot;#008000&quot;,&quot;Quotation&quot;:&quot;#FF00FF&quot;,&quot;Quotation 2&quot;:&quot;#FF00FF&quot;,&quot;Number&quot;:&quot;#800080&quot;},&quot;show_line_number&quot;:true,&quot;code_lang&quot;:&quot;js&quot;,&quot;code&quot;:&quot;$('p')   //选择页面上所有的p标签\n$('ul li')    //选择所有ul标签下的li标签&quot;,&quot;ctags&quot;:{}}"/>
-  </we:properties>
-  <we:bindings/>
-  <we:snapshot xmlns:r="http://schemas.openxmlformats.org/officeDocument/2006/relationships" r:embed="rId1"/>
-</we:webextension>
-</file>
-
-<file path=ppt/webextensions/webextension5.xml><?xml version="1.0" encoding="utf-8"?>
-<we:webextension xmlns:we="http://schemas.microsoft.com/office/webextensions/webextension/2010/11" id="{EF7F398C-F63A-4620-86FA-D201693C1BAF}">
-  <we:reference id="wa104379263" version="1.0.0.1" store="zh-CN" storeType="OMEX"/>
-  <we:alternateReferences>
-    <we:reference id="wa104379263" version="1.0.0.1" store="wa104379263" storeType="OMEX"/>
-  </we:alternateReferences>
-  <we:properties>
-    <we:property name="config" value="{&quot;display_lang&quot;:&quot;en&quot;,&quot;display_font&quot;:&quot;Consolas&quot;,&quot;syntax_color&quot;:{&quot;Reserved words&quot;:&quot;#0000ff&quot;,&quot;Built-in objects&quot;:&quot;#FF0000&quot;,&quot;Line comment&quot;:&quot;#008000&quot;,&quot;Block comment&quot;:&quot;#008000&quot;,&quot;Quotation&quot;:&quot;#FF00FF&quot;,&quot;Quotation 2&quot;:&quot;#FF00FF&quot;,&quot;Number&quot;:&quot;#800080&quot;},&quot;old_syntax_color&quot;:{&quot;Reserved words&quot;:&quot;#0000FF&quot;,&quot;Built-in objects&quot;:&quot;#FF0000&quot;,&quot;Line comment&quot;:&quot;#008000&quot;,&quot;Block comment&quot;:&quot;#008000&quot;,&quot;Quotation&quot;:&quot;#FF00FF&quot;,&quot;Quotation 2&quot;:&quot;#FF00FF&quot;,&quot;Number&quot;:&quot;#800080&quot;},&quot;show_line_number&quot;:true,&quot;code_lang&quot;:&quot;js&quot;,&quot;code&quot;:&quot;$('.red')   //选择页面上所有类名为red的标签\n$('p.red')    //选择所有拥有red类的p标签&quot;,&quot;ctags&quot;:{}}"/>
-  </we:properties>
-  <we:bindings/>
-  <we:snapshot xmlns:r="http://schemas.openxmlformats.org/officeDocument/2006/relationships" r:embed="rId1"/>
-</we:webextension>
-</file>
-
-<file path=ppt/webextensions/webextension6.xml><?xml version="1.0" encoding="utf-8"?>
-<we:webextension xmlns:we="http://schemas.microsoft.com/office/webextensions/webextension/2010/11" id="{18E7E9B1-F2AA-4423-9597-F80D0E05075B}">
-  <we:reference id="wa104379263" version="1.0.0.1" store="zh-CN" storeType="OMEX"/>
-  <we:alternateReferences>
-    <we:reference id="wa104379263" version="1.0.0.1" store="wa104379263" storeType="OMEX"/>
-  </we:alternateReferences>
-  <we:properties>
-    <we:property name="config" value="{&quot;display_lang&quot;:&quot;en&quot;,&quot;display_font&quot;:&quot;Consolas&quot;,&quot;syntax_color&quot;:{&quot;Reserved words&quot;:&quot;#0000ff&quot;,&quot;Built-in objects&quot;:&quot;#FF0000&quot;,&quot;Line comment&quot;:&quot;#008000&quot;,&quot;Block comment&quot;:&quot;#008000&quot;,&quot;Quotation&quot;:&quot;#FF00FF&quot;,&quot;Quotation 2&quot;:&quot;#FF00FF&quot;,&quot;Number&quot;:&quot;#800080&quot;},&quot;old_syntax_color&quot;:{&quot;Reserved words&quot;:&quot;#0000FF&quot;,&quot;Built-in objects&quot;:&quot;#FF0000&quot;,&quot;Line comment&quot;:&quot;#008000&quot;,&quot;Block comment&quot;:&quot;#008000&quot;,&quot;Quotation&quot;:&quot;#FF00FF&quot;,&quot;Quotation 2&quot;:&quot;#FF00FF&quot;,&quot;Number&quot;:&quot;#800080&quot;},&quot;show_line_number&quot;:true,&quot;code_lang&quot;:&quot;js&quot;,&quot;code&quot;:&quot;$('.red')   //选择页面上所有类名为red的标签\n$('p.red')    //选择所有拥有red类的p标签&quot;,&quot;ctags&quot;:{}}"/>
-  </we:properties>
-  <we:bindings/>
-  <we:snapshot xmlns:r="http://schemas.openxmlformats.org/officeDocument/2006/relationships" r:embed="rId1"/>
-</we:webextension>
 </file>